--- a/img/pin_map.pptx
+++ b/img/pin_map.pptx
@@ -3823,7 +3823,7 @@
         </p:blipFill>
         <p:spPr>
           <a:xfrm>
-            <a:off x="2536402" y="729505"/>
+            <a:off x="2209377" y="88155"/>
             <a:ext cx="7119195" cy="5339396"/>
           </a:xfrm>
           <a:prstGeom prst="rect">
@@ -3847,13 +3847,13 @@
         </p:nvCxnSpPr>
         <p:spPr>
           <a:xfrm>
-            <a:off x="3235624" y="3169359"/>
+            <a:off x="2908599" y="2528009"/>
             <a:ext cx="950715" cy="0"/>
           </a:xfrm>
           <a:prstGeom prst="line">
             <a:avLst/>
           </a:prstGeom>
-          <a:ln w="19050" cap="flat" cmpd="sng" algn="ctr">
+          <a:ln w="12700" cap="flat" cmpd="sng" algn="ctr">
             <a:solidFill>
               <a:schemeClr val="accent3"/>
             </a:solidFill>
@@ -3894,13 +3894,13 @@
         </p:nvCxnSpPr>
         <p:spPr>
           <a:xfrm>
-            <a:off x="3235624" y="3530208"/>
+            <a:off x="2908599" y="2888858"/>
             <a:ext cx="940165" cy="0"/>
           </a:xfrm>
           <a:prstGeom prst="line">
             <a:avLst/>
           </a:prstGeom>
-          <a:ln w="19050" cap="flat" cmpd="sng" algn="ctr">
+          <a:ln w="12700" cap="flat" cmpd="sng" algn="ctr">
             <a:solidFill>
               <a:schemeClr val="accent3"/>
             </a:solidFill>
@@ -3941,13 +3941,13 @@
         </p:nvCxnSpPr>
         <p:spPr>
           <a:xfrm>
-            <a:off x="3235624" y="3411363"/>
+            <a:off x="2908599" y="2770013"/>
             <a:ext cx="940165" cy="0"/>
           </a:xfrm>
           <a:prstGeom prst="line">
             <a:avLst/>
           </a:prstGeom>
-          <a:ln w="19050" cap="flat" cmpd="sng" algn="ctr">
+          <a:ln w="12700" cap="flat" cmpd="sng" algn="ctr">
             <a:solidFill>
               <a:schemeClr val="accent3"/>
             </a:solidFill>
@@ -3988,13 +3988,13 @@
         </p:nvCxnSpPr>
         <p:spPr>
           <a:xfrm>
-            <a:off x="3235624" y="3290361"/>
+            <a:off x="2908599" y="2649011"/>
             <a:ext cx="940165" cy="0"/>
           </a:xfrm>
           <a:prstGeom prst="line">
             <a:avLst/>
           </a:prstGeom>
-          <a:ln w="19050" cap="flat" cmpd="sng" algn="ctr">
+          <a:ln w="12700" cap="flat" cmpd="sng" algn="ctr">
             <a:solidFill>
               <a:schemeClr val="accent3"/>
             </a:solidFill>
@@ -4033,7 +4033,7 @@
         </p:nvSpPr>
         <p:spPr>
           <a:xfrm>
-            <a:off x="1852765" y="5049800"/>
+            <a:off x="1487640" y="4741825"/>
             <a:ext cx="4663386" cy="2205732"/>
           </a:xfrm>
           <a:prstGeom prst="rect">
@@ -4194,10 +4194,10 @@
       </p:sp>
       <p:pic>
         <p:nvPicPr>
-          <p:cNvPr id="48" name="图片 47">
-            <a:extLst>
-              <a:ext uri="{FF2B5EF4-FFF2-40B4-BE49-F238E27FC236}">
-                <a16:creationId xmlns:a16="http://schemas.microsoft.com/office/drawing/2014/main" id="{6A1EF724-C083-4718-B12B-ADE4CD6E6593}"/>
+          <p:cNvPr id="63" name="图片 62">
+            <a:extLst>
+              <a:ext uri="{FF2B5EF4-FFF2-40B4-BE49-F238E27FC236}">
+                <a16:creationId xmlns:a16="http://schemas.microsoft.com/office/drawing/2014/main" id="{A383C15E-94CC-4AB9-857B-0F901B5558E8}"/>
               </a:ext>
             </a:extLst>
           </p:cNvPr>
@@ -4220,8 +4220,8 @@
         </p:blipFill>
         <p:spPr>
           <a:xfrm>
-            <a:off x="2261712" y="2839169"/>
-            <a:ext cx="476250" cy="476250"/>
+            <a:off x="1284494" y="5136651"/>
+            <a:ext cx="266700" cy="266700"/>
           </a:xfrm>
           <a:prstGeom prst="rect">
             <a:avLst/>
@@ -4230,10 +4230,10 @@
       </p:pic>
       <p:pic>
         <p:nvPicPr>
-          <p:cNvPr id="51" name="图片 50">
-            <a:extLst>
-              <a:ext uri="{FF2B5EF4-FFF2-40B4-BE49-F238E27FC236}">
-                <a16:creationId xmlns:a16="http://schemas.microsoft.com/office/drawing/2014/main" id="{B4A0FEB6-8C80-4A2D-A4DA-3DD6CF6BF267}"/>
+          <p:cNvPr id="65" name="图片 64">
+            <a:extLst>
+              <a:ext uri="{FF2B5EF4-FFF2-40B4-BE49-F238E27FC236}">
+                <a16:creationId xmlns:a16="http://schemas.microsoft.com/office/drawing/2014/main" id="{F2711110-C802-4745-8C7A-EE197611809A}"/>
               </a:ext>
             </a:extLst>
           </p:cNvPr>
@@ -4256,8 +4256,8 @@
         </p:blipFill>
         <p:spPr>
           <a:xfrm>
-            <a:off x="2261712" y="2341368"/>
-            <a:ext cx="476250" cy="476250"/>
+            <a:off x="1284494" y="4820346"/>
+            <a:ext cx="266700" cy="266700"/>
           </a:xfrm>
           <a:prstGeom prst="rect">
             <a:avLst/>
@@ -4266,10 +4266,10 @@
       </p:pic>
       <p:pic>
         <p:nvPicPr>
-          <p:cNvPr id="53" name="图片 52">
-            <a:extLst>
-              <a:ext uri="{FF2B5EF4-FFF2-40B4-BE49-F238E27FC236}">
-                <a16:creationId xmlns:a16="http://schemas.microsoft.com/office/drawing/2014/main" id="{F5F78553-6083-4B94-9258-235169F8D486}"/>
+          <p:cNvPr id="66" name="图片 65">
+            <a:extLst>
+              <a:ext uri="{FF2B5EF4-FFF2-40B4-BE49-F238E27FC236}">
+                <a16:creationId xmlns:a16="http://schemas.microsoft.com/office/drawing/2014/main" id="{6D42253D-4577-468B-9D40-058E91BD3363}"/>
               </a:ext>
             </a:extLst>
           </p:cNvPr>
@@ -4292,8 +4292,8 @@
         </p:blipFill>
         <p:spPr>
           <a:xfrm>
-            <a:off x="2261712" y="3834770"/>
-            <a:ext cx="476250" cy="476250"/>
+            <a:off x="1284494" y="5769264"/>
+            <a:ext cx="266700" cy="266700"/>
           </a:xfrm>
           <a:prstGeom prst="rect">
             <a:avLst/>
@@ -4302,10 +4302,10 @@
       </p:pic>
       <p:pic>
         <p:nvPicPr>
-          <p:cNvPr id="55" name="图片 54">
-            <a:extLst>
-              <a:ext uri="{FF2B5EF4-FFF2-40B4-BE49-F238E27FC236}">
-                <a16:creationId xmlns:a16="http://schemas.microsoft.com/office/drawing/2014/main" id="{78F94C4E-FBEE-4618-B471-EC4E70DB63F7}"/>
+          <p:cNvPr id="67" name="图片 66">
+            <a:extLst>
+              <a:ext uri="{FF2B5EF4-FFF2-40B4-BE49-F238E27FC236}">
+                <a16:creationId xmlns:a16="http://schemas.microsoft.com/office/drawing/2014/main" id="{1A425AE3-AA60-415F-BD5E-43BFD600013A}"/>
               </a:ext>
             </a:extLst>
           </p:cNvPr>
@@ -4328,151 +4328,7 @@
         </p:blipFill>
         <p:spPr>
           <a:xfrm>
-            <a:off x="2261712" y="3336970"/>
-            <a:ext cx="476250" cy="476250"/>
-          </a:xfrm>
-          <a:prstGeom prst="rect">
-            <a:avLst/>
-          </a:prstGeom>
-        </p:spPr>
-      </p:pic>
-      <p:pic>
-        <p:nvPicPr>
-          <p:cNvPr id="63" name="图片 62">
-            <a:extLst>
-              <a:ext uri="{FF2B5EF4-FFF2-40B4-BE49-F238E27FC236}">
-                <a16:creationId xmlns:a16="http://schemas.microsoft.com/office/drawing/2014/main" id="{A383C15E-94CC-4AB9-857B-0F901B5558E8}"/>
-              </a:ext>
-            </a:extLst>
-          </p:cNvPr>
-          <p:cNvPicPr>
-            <a:picLocks noChangeAspect="1"/>
-          </p:cNvPicPr>
-          <p:nvPr/>
-        </p:nvPicPr>
-        <p:blipFill>
-          <a:blip r:embed="rId4">
-            <a:extLst>
-              <a:ext uri="{28A0092B-C50C-407E-A947-70E740481C1C}">
-                <a14:useLocalDpi xmlns:a14="http://schemas.microsoft.com/office/drawing/2010/main" val="0"/>
-              </a:ext>
-            </a:extLst>
-          </a:blip>
-          <a:stretch>
-            <a:fillRect/>
-          </a:stretch>
-        </p:blipFill>
-        <p:spPr>
-          <a:xfrm>
-            <a:off x="1649619" y="5444626"/>
-            <a:ext cx="266700" cy="266700"/>
-          </a:xfrm>
-          <a:prstGeom prst="rect">
-            <a:avLst/>
-          </a:prstGeom>
-        </p:spPr>
-      </p:pic>
-      <p:pic>
-        <p:nvPicPr>
-          <p:cNvPr id="65" name="图片 64">
-            <a:extLst>
-              <a:ext uri="{FF2B5EF4-FFF2-40B4-BE49-F238E27FC236}">
-                <a16:creationId xmlns:a16="http://schemas.microsoft.com/office/drawing/2014/main" id="{F2711110-C802-4745-8C7A-EE197611809A}"/>
-              </a:ext>
-            </a:extLst>
-          </p:cNvPr>
-          <p:cNvPicPr>
-            <a:picLocks noChangeAspect="1"/>
-          </p:cNvPicPr>
-          <p:nvPr/>
-        </p:nvPicPr>
-        <p:blipFill>
-          <a:blip r:embed="rId5">
-            <a:extLst>
-              <a:ext uri="{28A0092B-C50C-407E-A947-70E740481C1C}">
-                <a14:useLocalDpi xmlns:a14="http://schemas.microsoft.com/office/drawing/2010/main" val="0"/>
-              </a:ext>
-            </a:extLst>
-          </a:blip>
-          <a:stretch>
-            <a:fillRect/>
-          </a:stretch>
-        </p:blipFill>
-        <p:spPr>
-          <a:xfrm>
-            <a:off x="1649619" y="5128321"/>
-            <a:ext cx="266700" cy="266700"/>
-          </a:xfrm>
-          <a:prstGeom prst="rect">
-            <a:avLst/>
-          </a:prstGeom>
-        </p:spPr>
-      </p:pic>
-      <p:pic>
-        <p:nvPicPr>
-          <p:cNvPr id="66" name="图片 65">
-            <a:extLst>
-              <a:ext uri="{FF2B5EF4-FFF2-40B4-BE49-F238E27FC236}">
-                <a16:creationId xmlns:a16="http://schemas.microsoft.com/office/drawing/2014/main" id="{6D42253D-4577-468B-9D40-058E91BD3363}"/>
-              </a:ext>
-            </a:extLst>
-          </p:cNvPr>
-          <p:cNvPicPr>
-            <a:picLocks noChangeAspect="1"/>
-          </p:cNvPicPr>
-          <p:nvPr/>
-        </p:nvPicPr>
-        <p:blipFill>
-          <a:blip r:embed="rId6">
-            <a:extLst>
-              <a:ext uri="{28A0092B-C50C-407E-A947-70E740481C1C}">
-                <a14:useLocalDpi xmlns:a14="http://schemas.microsoft.com/office/drawing/2010/main" val="0"/>
-              </a:ext>
-            </a:extLst>
-          </a:blip>
-          <a:stretch>
-            <a:fillRect/>
-          </a:stretch>
-        </p:blipFill>
-        <p:spPr>
-          <a:xfrm>
-            <a:off x="1649619" y="6077239"/>
-            <a:ext cx="266700" cy="266700"/>
-          </a:xfrm>
-          <a:prstGeom prst="rect">
-            <a:avLst/>
-          </a:prstGeom>
-        </p:spPr>
-      </p:pic>
-      <p:pic>
-        <p:nvPicPr>
-          <p:cNvPr id="67" name="图片 66">
-            <a:extLst>
-              <a:ext uri="{FF2B5EF4-FFF2-40B4-BE49-F238E27FC236}">
-                <a16:creationId xmlns:a16="http://schemas.microsoft.com/office/drawing/2014/main" id="{1A425AE3-AA60-415F-BD5E-43BFD600013A}"/>
-              </a:ext>
-            </a:extLst>
-          </p:cNvPr>
-          <p:cNvPicPr>
-            <a:picLocks noChangeAspect="1"/>
-          </p:cNvPicPr>
-          <p:nvPr/>
-        </p:nvPicPr>
-        <p:blipFill>
-          <a:blip r:embed="rId7">
-            <a:extLst>
-              <a:ext uri="{28A0092B-C50C-407E-A947-70E740481C1C}">
-                <a14:useLocalDpi xmlns:a14="http://schemas.microsoft.com/office/drawing/2010/main" val="0"/>
-              </a:ext>
-            </a:extLst>
-          </a:blip>
-          <a:stretch>
-            <a:fillRect/>
-          </a:stretch>
-        </p:blipFill>
-        <p:spPr>
-          <a:xfrm>
-            <a:off x="1649619" y="5760933"/>
+            <a:off x="1284494" y="5452958"/>
             <a:ext cx="266700" cy="266700"/>
           </a:xfrm>
           <a:prstGeom prst="rect">
@@ -4496,13 +4352,13 @@
         </p:nvCxnSpPr>
         <p:spPr>
           <a:xfrm flipH="1" flipV="1">
-            <a:off x="2752534" y="2698505"/>
+            <a:off x="2425509" y="2057155"/>
             <a:ext cx="480471" cy="470058"/>
           </a:xfrm>
           <a:prstGeom prst="line">
             <a:avLst/>
           </a:prstGeom>
-          <a:ln w="19050" cap="flat" cmpd="sng" algn="ctr">
+          <a:ln w="12700" cap="flat" cmpd="sng" algn="ctr">
             <a:solidFill>
               <a:schemeClr val="accent3"/>
             </a:solidFill>
@@ -4543,13 +4399,13 @@
         </p:nvCxnSpPr>
         <p:spPr>
           <a:xfrm flipH="1" flipV="1">
-            <a:off x="2745248" y="3101148"/>
+            <a:off x="2418223" y="2459798"/>
             <a:ext cx="480471" cy="183351"/>
           </a:xfrm>
           <a:prstGeom prst="line">
             <a:avLst/>
           </a:prstGeom>
-          <a:ln w="19050" cap="flat" cmpd="sng" algn="ctr">
+          <a:ln w="12700" cap="flat" cmpd="sng" algn="ctr">
             <a:solidFill>
               <a:schemeClr val="accent3"/>
             </a:solidFill>
@@ -4590,13 +4446,13 @@
         </p:nvCxnSpPr>
         <p:spPr>
           <a:xfrm flipH="1">
-            <a:off x="2741605" y="3413047"/>
+            <a:off x="2414580" y="2771697"/>
             <a:ext cx="480471" cy="123802"/>
           </a:xfrm>
           <a:prstGeom prst="line">
             <a:avLst/>
           </a:prstGeom>
-          <a:ln w="19050" cap="flat" cmpd="sng" algn="ctr">
+          <a:ln w="12700" cap="flat" cmpd="sng" algn="ctr">
             <a:solidFill>
               <a:schemeClr val="accent3"/>
             </a:solidFill>
@@ -4637,13 +4493,13 @@
         </p:nvCxnSpPr>
         <p:spPr>
           <a:xfrm flipH="1">
-            <a:off x="2741605" y="3535079"/>
+            <a:off x="2414580" y="2893729"/>
             <a:ext cx="480472" cy="436000"/>
           </a:xfrm>
           <a:prstGeom prst="line">
             <a:avLst/>
           </a:prstGeom>
-          <a:ln w="19050" cap="flat" cmpd="sng" algn="ctr">
+          <a:ln w="12700" cap="flat" cmpd="sng" algn="ctr">
             <a:solidFill>
               <a:schemeClr val="accent3"/>
             </a:solidFill>
@@ -4684,7 +4540,7 @@
         </p:nvSpPr>
         <p:spPr>
           <a:xfrm>
-            <a:off x="4116732" y="3135496"/>
+            <a:off x="3789707" y="2494146"/>
             <a:ext cx="67727" cy="67727"/>
           </a:xfrm>
           <a:prstGeom prst="ellipse">
@@ -4742,7 +4598,7 @@
         </p:nvSpPr>
         <p:spPr>
           <a:xfrm>
-            <a:off x="4116732" y="3256498"/>
+            <a:off x="3789707" y="2615148"/>
             <a:ext cx="67727" cy="67727"/>
           </a:xfrm>
           <a:prstGeom prst="ellipse">
@@ -4800,7 +4656,7 @@
         </p:nvSpPr>
         <p:spPr>
           <a:xfrm>
-            <a:off x="4116731" y="3377500"/>
+            <a:off x="3789706" y="2736150"/>
             <a:ext cx="67727" cy="67727"/>
           </a:xfrm>
           <a:prstGeom prst="ellipse">
@@ -4858,7 +4714,7 @@
         </p:nvSpPr>
         <p:spPr>
           <a:xfrm>
-            <a:off x="4116731" y="3496345"/>
+            <a:off x="3789706" y="2854995"/>
             <a:ext cx="67727" cy="67727"/>
           </a:xfrm>
           <a:prstGeom prst="ellipse">
@@ -4916,8 +4772,8 @@
         </p:nvCxnSpPr>
         <p:spPr>
           <a:xfrm flipV="1">
-            <a:off x="5769274" y="1657350"/>
-            <a:ext cx="0" cy="518588"/>
+            <a:off x="6082819" y="1044575"/>
+            <a:ext cx="3524" cy="1122577"/>
           </a:xfrm>
           <a:prstGeom prst="line">
             <a:avLst/>
@@ -4947,6 +4803,791 @@
           </a:fontRef>
         </p:style>
       </p:cxnSp>
+      <p:sp>
+        <p:nvSpPr>
+          <p:cNvPr id="25" name="椭圆 24">
+            <a:extLst>
+              <a:ext uri="{FF2B5EF4-FFF2-40B4-BE49-F238E27FC236}">
+                <a16:creationId xmlns:a16="http://schemas.microsoft.com/office/drawing/2014/main" id="{81B18BCC-23AA-4216-9ACB-79F11FD3661C}"/>
+              </a:ext>
+            </a:extLst>
+          </p:cNvPr>
+          <p:cNvSpPr>
+            <a:spLocks noChangeAspect="1"/>
+          </p:cNvSpPr>
+          <p:nvPr/>
+        </p:nvSpPr>
+        <p:spPr>
+          <a:xfrm>
+            <a:off x="6052480" y="2167152"/>
+            <a:ext cx="67727" cy="67727"/>
+          </a:xfrm>
+          <a:prstGeom prst="ellipse">
+            <a:avLst/>
+          </a:prstGeom>
+          <a:solidFill>
+            <a:srgbClr val="FFC000"/>
+          </a:solidFill>
+          <a:ln w="25400">
+            <a:solidFill>
+              <a:schemeClr val="bg1"/>
+            </a:solidFill>
+          </a:ln>
+        </p:spPr>
+        <p:style>
+          <a:lnRef idx="2">
+            <a:schemeClr val="accent1">
+              <a:shade val="50000"/>
+            </a:schemeClr>
+          </a:lnRef>
+          <a:fillRef idx="1">
+            <a:schemeClr val="accent1"/>
+          </a:fillRef>
+          <a:effectRef idx="0">
+            <a:schemeClr val="accent1"/>
+          </a:effectRef>
+          <a:fontRef idx="minor">
+            <a:schemeClr val="lt1"/>
+          </a:fontRef>
+        </p:style>
+        <p:txBody>
+          <a:bodyPr rtlCol="0" anchor="ctr"/>
+          <a:lstStyle/>
+          <a:p>
+            <a:pPr algn="ctr"/>
+            <a:endParaRPr lang="en-US">
+              <a:cs typeface="+mn-ea"/>
+            </a:endParaRPr>
+          </a:p>
+        </p:txBody>
+      </p:sp>
+      <p:sp>
+        <p:nvSpPr>
+          <p:cNvPr id="6" name="文本框 5">
+            <a:extLst>
+              <a:ext uri="{FF2B5EF4-FFF2-40B4-BE49-F238E27FC236}">
+                <a16:creationId xmlns:a16="http://schemas.microsoft.com/office/drawing/2014/main" id="{110C9423-C1AA-4F38-9E6C-8C30507C82FE}"/>
+              </a:ext>
+            </a:extLst>
+          </p:cNvPr>
+          <p:cNvSpPr txBox="1"/>
+          <p:nvPr/>
+        </p:nvSpPr>
+        <p:spPr>
+          <a:xfrm>
+            <a:off x="5966755" y="708494"/>
+            <a:ext cx="1090363" cy="400110"/>
+          </a:xfrm>
+          <a:prstGeom prst="rect">
+            <a:avLst/>
+          </a:prstGeom>
+          <a:noFill/>
+        </p:spPr>
+        <p:txBody>
+          <a:bodyPr wrap="none" rtlCol="0">
+            <a:spAutoFit/>
+          </a:bodyPr>
+          <a:lstStyle/>
+          <a:p>
+            <a:r>
+              <a:rPr lang="en-US" sz="2000" b="1">
+                <a:solidFill>
+                  <a:schemeClr val="bg1">
+                    <a:lumMod val="65000"/>
+                  </a:schemeClr>
+                </a:solidFill>
+              </a:rPr>
+              <a:t>HM3301</a:t>
+            </a:r>
+          </a:p>
+        </p:txBody>
+      </p:sp>
+      <p:cxnSp>
+        <p:nvCxnSpPr>
+          <p:cNvPr id="32" name="直接连接符 31">
+            <a:extLst>
+              <a:ext uri="{FF2B5EF4-FFF2-40B4-BE49-F238E27FC236}">
+                <a16:creationId xmlns:a16="http://schemas.microsoft.com/office/drawing/2014/main" id="{6FBE5FB7-07C1-48F2-8243-4CA1477B6B9B}"/>
+              </a:ext>
+            </a:extLst>
+          </p:cNvPr>
+          <p:cNvCxnSpPr>
+            <a:cxnSpLocks/>
+          </p:cNvCxnSpPr>
+          <p:nvPr/>
+        </p:nvCxnSpPr>
+        <p:spPr>
+          <a:xfrm>
+            <a:off x="7558830" y="3770806"/>
+            <a:ext cx="1053794" cy="0"/>
+          </a:xfrm>
+          <a:prstGeom prst="line">
+            <a:avLst/>
+          </a:prstGeom>
+          <a:ln w="15875" cap="flat" cmpd="sng" algn="ctr">
+            <a:solidFill>
+              <a:schemeClr val="accent3"/>
+            </a:solidFill>
+            <a:prstDash val="dash"/>
+            <a:round/>
+            <a:headEnd type="none" w="med" len="med"/>
+            <a:tailEnd type="none" w="med" len="med"/>
+          </a:ln>
+        </p:spPr>
+        <p:style>
+          <a:lnRef idx="0">
+            <a:scrgbClr r="0" g="0" b="0"/>
+          </a:lnRef>
+          <a:fillRef idx="0">
+            <a:scrgbClr r="0" g="0" b="0"/>
+          </a:fillRef>
+          <a:effectRef idx="0">
+            <a:scrgbClr r="0" g="0" b="0"/>
+          </a:effectRef>
+          <a:fontRef idx="minor">
+            <a:schemeClr val="tx1"/>
+          </a:fontRef>
+        </p:style>
+      </p:cxnSp>
+      <p:sp>
+        <p:nvSpPr>
+          <p:cNvPr id="34" name="椭圆 33">
+            <a:extLst>
+              <a:ext uri="{FF2B5EF4-FFF2-40B4-BE49-F238E27FC236}">
+                <a16:creationId xmlns:a16="http://schemas.microsoft.com/office/drawing/2014/main" id="{701E83F7-7A7D-4CEE-8ABB-35A036566C36}"/>
+              </a:ext>
+            </a:extLst>
+          </p:cNvPr>
+          <p:cNvSpPr>
+            <a:spLocks noChangeAspect="1"/>
+          </p:cNvSpPr>
+          <p:nvPr/>
+        </p:nvSpPr>
+        <p:spPr>
+          <a:xfrm>
+            <a:off x="7343955" y="3905073"/>
+            <a:ext cx="72000" cy="72000"/>
+          </a:xfrm>
+          <a:prstGeom prst="ellipse">
+            <a:avLst/>
+          </a:prstGeom>
+          <a:solidFill>
+            <a:srgbClr val="FFC000"/>
+          </a:solidFill>
+          <a:ln w="25400">
+            <a:solidFill>
+              <a:schemeClr val="bg1"/>
+            </a:solidFill>
+          </a:ln>
+        </p:spPr>
+        <p:style>
+          <a:lnRef idx="2">
+            <a:schemeClr val="accent1">
+              <a:shade val="50000"/>
+            </a:schemeClr>
+          </a:lnRef>
+          <a:fillRef idx="1">
+            <a:schemeClr val="accent1"/>
+          </a:fillRef>
+          <a:effectRef idx="0">
+            <a:schemeClr val="accent1"/>
+          </a:effectRef>
+          <a:fontRef idx="minor">
+            <a:schemeClr val="lt1"/>
+          </a:fontRef>
+        </p:style>
+        <p:txBody>
+          <a:bodyPr rtlCol="0" anchor="ctr"/>
+          <a:lstStyle/>
+          <a:p>
+            <a:pPr algn="ctr"/>
+            <a:endParaRPr lang="en-US">
+              <a:cs typeface="+mn-ea"/>
+            </a:endParaRPr>
+          </a:p>
+        </p:txBody>
+      </p:sp>
+      <p:sp>
+        <p:nvSpPr>
+          <p:cNvPr id="35" name="椭圆 34">
+            <a:extLst>
+              <a:ext uri="{FF2B5EF4-FFF2-40B4-BE49-F238E27FC236}">
+                <a16:creationId xmlns:a16="http://schemas.microsoft.com/office/drawing/2014/main" id="{A9098B0A-D5B0-4478-A944-5CDE6CC98904}"/>
+              </a:ext>
+            </a:extLst>
+          </p:cNvPr>
+          <p:cNvSpPr>
+            <a:spLocks noChangeAspect="1"/>
+          </p:cNvSpPr>
+          <p:nvPr/>
+        </p:nvSpPr>
+        <p:spPr>
+          <a:xfrm>
+            <a:off x="7490723" y="3738087"/>
+            <a:ext cx="72000" cy="72000"/>
+          </a:xfrm>
+          <a:prstGeom prst="ellipse">
+            <a:avLst/>
+          </a:prstGeom>
+          <a:solidFill>
+            <a:srgbClr val="FFC000"/>
+          </a:solidFill>
+          <a:ln w="25400">
+            <a:solidFill>
+              <a:schemeClr val="bg1"/>
+            </a:solidFill>
+          </a:ln>
+        </p:spPr>
+        <p:style>
+          <a:lnRef idx="2">
+            <a:schemeClr val="accent1">
+              <a:shade val="50000"/>
+            </a:schemeClr>
+          </a:lnRef>
+          <a:fillRef idx="1">
+            <a:schemeClr val="accent1"/>
+          </a:fillRef>
+          <a:effectRef idx="0">
+            <a:schemeClr val="accent1"/>
+          </a:effectRef>
+          <a:fontRef idx="minor">
+            <a:schemeClr val="lt1"/>
+          </a:fontRef>
+        </p:style>
+        <p:txBody>
+          <a:bodyPr rtlCol="0" anchor="ctr"/>
+          <a:lstStyle/>
+          <a:p>
+            <a:pPr algn="ctr"/>
+            <a:endParaRPr lang="en-US">
+              <a:cs typeface="+mn-ea"/>
+            </a:endParaRPr>
+          </a:p>
+        </p:txBody>
+      </p:sp>
+      <p:cxnSp>
+        <p:nvCxnSpPr>
+          <p:cNvPr id="36" name="直接连接符 35">
+            <a:extLst>
+              <a:ext uri="{FF2B5EF4-FFF2-40B4-BE49-F238E27FC236}">
+                <a16:creationId xmlns:a16="http://schemas.microsoft.com/office/drawing/2014/main" id="{B4B73C0F-BDB6-4EC6-A952-CFA338DF2768}"/>
+              </a:ext>
+            </a:extLst>
+          </p:cNvPr>
+          <p:cNvCxnSpPr>
+            <a:cxnSpLocks/>
+          </p:cNvCxnSpPr>
+          <p:nvPr/>
+        </p:nvCxnSpPr>
+        <p:spPr>
+          <a:xfrm>
+            <a:off x="7379955" y="4013780"/>
+            <a:ext cx="0" cy="216908"/>
+          </a:xfrm>
+          <a:prstGeom prst="line">
+            <a:avLst/>
+          </a:prstGeom>
+          <a:ln w="15875">
+            <a:solidFill>
+              <a:schemeClr val="bg1">
+                <a:lumMod val="65000"/>
+              </a:schemeClr>
+            </a:solidFill>
+            <a:prstDash val="dash"/>
+          </a:ln>
+        </p:spPr>
+        <p:style>
+          <a:lnRef idx="1">
+            <a:schemeClr val="accent1"/>
+          </a:lnRef>
+          <a:fillRef idx="0">
+            <a:schemeClr val="accent1"/>
+          </a:fillRef>
+          <a:effectRef idx="0">
+            <a:schemeClr val="accent1"/>
+          </a:effectRef>
+          <a:fontRef idx="minor">
+            <a:schemeClr val="tx1"/>
+          </a:fontRef>
+        </p:style>
+      </p:cxnSp>
+      <p:cxnSp>
+        <p:nvCxnSpPr>
+          <p:cNvPr id="37" name="直接连接符 36">
+            <a:extLst>
+              <a:ext uri="{FF2B5EF4-FFF2-40B4-BE49-F238E27FC236}">
+                <a16:creationId xmlns:a16="http://schemas.microsoft.com/office/drawing/2014/main" id="{69799E33-6062-45E0-A6D2-AFAD91C45631}"/>
+              </a:ext>
+            </a:extLst>
+          </p:cNvPr>
+          <p:cNvCxnSpPr>
+            <a:cxnSpLocks/>
+          </p:cNvCxnSpPr>
+          <p:nvPr/>
+        </p:nvCxnSpPr>
+        <p:spPr>
+          <a:xfrm>
+            <a:off x="7379955" y="4230688"/>
+            <a:ext cx="1002045" cy="0"/>
+          </a:xfrm>
+          <a:prstGeom prst="line">
+            <a:avLst/>
+          </a:prstGeom>
+          <a:ln w="15875" cap="flat" cmpd="sng" algn="ctr">
+            <a:solidFill>
+              <a:schemeClr val="accent3"/>
+            </a:solidFill>
+            <a:prstDash val="dash"/>
+            <a:round/>
+            <a:headEnd type="none" w="med" len="med"/>
+            <a:tailEnd type="none" w="med" len="med"/>
+          </a:ln>
+        </p:spPr>
+        <p:style>
+          <a:lnRef idx="0">
+            <a:scrgbClr r="0" g="0" b="0"/>
+          </a:lnRef>
+          <a:fillRef idx="0">
+            <a:scrgbClr r="0" g="0" b="0"/>
+          </a:fillRef>
+          <a:effectRef idx="0">
+            <a:scrgbClr r="0" g="0" b="0"/>
+          </a:effectRef>
+          <a:fontRef idx="minor">
+            <a:schemeClr val="tx1"/>
+          </a:fontRef>
+        </p:style>
+      </p:cxnSp>
+      <p:sp>
+        <p:nvSpPr>
+          <p:cNvPr id="38" name="文本框 37">
+            <a:extLst>
+              <a:ext uri="{FF2B5EF4-FFF2-40B4-BE49-F238E27FC236}">
+                <a16:creationId xmlns:a16="http://schemas.microsoft.com/office/drawing/2014/main" id="{3EF8E1D7-2EE0-4E46-92E6-17FEAE810F83}"/>
+              </a:ext>
+            </a:extLst>
+          </p:cNvPr>
+          <p:cNvSpPr txBox="1"/>
+          <p:nvPr/>
+        </p:nvSpPr>
+        <p:spPr>
+          <a:xfrm>
+            <a:off x="8557226" y="3586140"/>
+            <a:ext cx="759503" cy="369332"/>
+          </a:xfrm>
+          <a:prstGeom prst="rect">
+            <a:avLst/>
+          </a:prstGeom>
+          <a:noFill/>
+        </p:spPr>
+        <p:txBody>
+          <a:bodyPr wrap="none" rtlCol="0">
+            <a:spAutoFit/>
+          </a:bodyPr>
+          <a:lstStyle/>
+          <a:p>
+            <a:r>
+              <a:rPr lang="en-US" b="1">
+                <a:solidFill>
+                  <a:schemeClr val="bg1">
+                    <a:lumMod val="50000"/>
+                  </a:schemeClr>
+                </a:solidFill>
+              </a:rPr>
+              <a:t>RESET</a:t>
+            </a:r>
+          </a:p>
+        </p:txBody>
+      </p:sp>
+      <p:sp>
+        <p:nvSpPr>
+          <p:cNvPr id="39" name="文本框 38">
+            <a:extLst>
+              <a:ext uri="{FF2B5EF4-FFF2-40B4-BE49-F238E27FC236}">
+                <a16:creationId xmlns:a16="http://schemas.microsoft.com/office/drawing/2014/main" id="{53C1840A-F2B0-4782-BADC-97E5259EBC26}"/>
+              </a:ext>
+            </a:extLst>
+          </p:cNvPr>
+          <p:cNvSpPr txBox="1"/>
+          <p:nvPr/>
+        </p:nvSpPr>
+        <p:spPr>
+          <a:xfrm>
+            <a:off x="8352777" y="4034245"/>
+            <a:ext cx="519694" cy="369332"/>
+          </a:xfrm>
+          <a:prstGeom prst="rect">
+            <a:avLst/>
+          </a:prstGeom>
+          <a:noFill/>
+        </p:spPr>
+        <p:txBody>
+          <a:bodyPr wrap="none" rtlCol="0">
+            <a:spAutoFit/>
+          </a:bodyPr>
+          <a:lstStyle/>
+          <a:p>
+            <a:r>
+              <a:rPr lang="en-US" b="1">
+                <a:solidFill>
+                  <a:schemeClr val="bg1">
+                    <a:lumMod val="50000"/>
+                  </a:schemeClr>
+                </a:solidFill>
+              </a:rPr>
+              <a:t>SET</a:t>
+            </a:r>
+          </a:p>
+        </p:txBody>
+      </p:sp>
+      <p:sp>
+        <p:nvSpPr>
+          <p:cNvPr id="41" name="文本框 40">
+            <a:extLst>
+              <a:ext uri="{FF2B5EF4-FFF2-40B4-BE49-F238E27FC236}">
+                <a16:creationId xmlns:a16="http://schemas.microsoft.com/office/drawing/2014/main" id="{344D8A1D-E57C-4859-A82C-A3489C9075CD}"/>
+              </a:ext>
+            </a:extLst>
+          </p:cNvPr>
+          <p:cNvSpPr txBox="1"/>
+          <p:nvPr/>
+        </p:nvSpPr>
+        <p:spPr>
+          <a:xfrm>
+            <a:off x="6294976" y="4945798"/>
+            <a:ext cx="4663386" cy="1379865"/>
+          </a:xfrm>
+          <a:prstGeom prst="rect">
+            <a:avLst/>
+          </a:prstGeom>
+          <a:noFill/>
+        </p:spPr>
+        <p:txBody>
+          <a:bodyPr wrap="square" rtlCol="0">
+            <a:spAutoFit/>
+          </a:bodyPr>
+          <a:lstStyle/>
+          <a:p>
+            <a:pPr>
+              <a:lnSpc>
+                <a:spcPts val="2500"/>
+              </a:lnSpc>
+            </a:pPr>
+            <a:r>
+              <a:rPr lang="en-US" sz="1600">
+                <a:latin typeface="Leelawadee UI" panose="020B0502040204020203" pitchFamily="34" charset="-34"/>
+                <a:ea typeface="Microsoft JhengHei Light" panose="020B0304030504040204" pitchFamily="34" charset="-120"/>
+                <a:cs typeface="Leelawadee UI" panose="020B0502040204020203" pitchFamily="34" charset="-34"/>
+              </a:rPr>
+              <a:t>Set the pin/TTL level @3.3V, high or floating for normal operation mode, low level for sleep mode </a:t>
+            </a:r>
+            <a:endParaRPr lang="en-US" sz="1200" dirty="0">
+              <a:solidFill>
+                <a:srgbClr val="D4D4D4"/>
+              </a:solidFill>
+              <a:latin typeface="Consolas" panose="020B0609020204030204" pitchFamily="49" charset="0"/>
+            </a:endParaRPr>
+          </a:p>
+          <a:p>
+            <a:endParaRPr lang="en-US" sz="1200" dirty="0">
+              <a:latin typeface="Times New Roman" panose="02020603050405020304" pitchFamily="18" charset="0"/>
+              <a:cs typeface="Times New Roman" panose="02020603050405020304" pitchFamily="18" charset="0"/>
+            </a:endParaRPr>
+          </a:p>
+          <a:p>
+            <a:endParaRPr lang="en-US" sz="1200" dirty="0">
+              <a:latin typeface="Times New Roman" panose="02020603050405020304" pitchFamily="18" charset="0"/>
+              <a:cs typeface="Times New Roman" panose="02020603050405020304" pitchFamily="18" charset="0"/>
+            </a:endParaRPr>
+          </a:p>
+          <a:p>
+            <a:endParaRPr lang="en-US" dirty="0"/>
+          </a:p>
+        </p:txBody>
+      </p:sp>
+      <p:sp>
+        <p:nvSpPr>
+          <p:cNvPr id="43" name="文本框 42">
+            <a:extLst>
+              <a:ext uri="{FF2B5EF4-FFF2-40B4-BE49-F238E27FC236}">
+                <a16:creationId xmlns:a16="http://schemas.microsoft.com/office/drawing/2014/main" id="{9369EBEB-D59D-4AD3-880A-491E450232B0}"/>
+              </a:ext>
+            </a:extLst>
+          </p:cNvPr>
+          <p:cNvSpPr txBox="1"/>
+          <p:nvPr/>
+        </p:nvSpPr>
+        <p:spPr>
+          <a:xfrm>
+            <a:off x="5951595" y="4730414"/>
+            <a:ext cx="519694" cy="369332"/>
+          </a:xfrm>
+          <a:prstGeom prst="rect">
+            <a:avLst/>
+          </a:prstGeom>
+          <a:noFill/>
+        </p:spPr>
+        <p:txBody>
+          <a:bodyPr wrap="none" rtlCol="0">
+            <a:spAutoFit/>
+          </a:bodyPr>
+          <a:lstStyle/>
+          <a:p>
+            <a:r>
+              <a:rPr lang="en-US" b="1">
+                <a:solidFill>
+                  <a:schemeClr val="bg1">
+                    <a:lumMod val="50000"/>
+                  </a:schemeClr>
+                </a:solidFill>
+              </a:rPr>
+              <a:t>SET</a:t>
+            </a:r>
+          </a:p>
+        </p:txBody>
+      </p:sp>
+      <p:sp>
+        <p:nvSpPr>
+          <p:cNvPr id="45" name="文本框 44">
+            <a:extLst>
+              <a:ext uri="{FF2B5EF4-FFF2-40B4-BE49-F238E27FC236}">
+                <a16:creationId xmlns:a16="http://schemas.microsoft.com/office/drawing/2014/main" id="{CC5078AA-E0F0-4385-98F7-B3378C478840}"/>
+              </a:ext>
+            </a:extLst>
+          </p:cNvPr>
+          <p:cNvSpPr txBox="1"/>
+          <p:nvPr/>
+        </p:nvSpPr>
+        <p:spPr>
+          <a:xfrm>
+            <a:off x="5951350" y="5604296"/>
+            <a:ext cx="759503" cy="369332"/>
+          </a:xfrm>
+          <a:prstGeom prst="rect">
+            <a:avLst/>
+          </a:prstGeom>
+          <a:noFill/>
+        </p:spPr>
+        <p:txBody>
+          <a:bodyPr wrap="none" rtlCol="0">
+            <a:spAutoFit/>
+          </a:bodyPr>
+          <a:lstStyle/>
+          <a:p>
+            <a:r>
+              <a:rPr lang="en-US" b="1">
+                <a:solidFill>
+                  <a:schemeClr val="bg1">
+                    <a:lumMod val="50000"/>
+                  </a:schemeClr>
+                </a:solidFill>
+              </a:rPr>
+              <a:t>RESET</a:t>
+            </a:r>
+          </a:p>
+        </p:txBody>
+      </p:sp>
+      <p:sp>
+        <p:nvSpPr>
+          <p:cNvPr id="46" name="文本框 45">
+            <a:extLst>
+              <a:ext uri="{FF2B5EF4-FFF2-40B4-BE49-F238E27FC236}">
+                <a16:creationId xmlns:a16="http://schemas.microsoft.com/office/drawing/2014/main" id="{B8FCE490-2B34-454F-B206-9BD0D712217A}"/>
+              </a:ext>
+            </a:extLst>
+          </p:cNvPr>
+          <p:cNvSpPr txBox="1"/>
+          <p:nvPr/>
+        </p:nvSpPr>
+        <p:spPr>
+          <a:xfrm>
+            <a:off x="6331101" y="5966247"/>
+            <a:ext cx="4663386" cy="874598"/>
+          </a:xfrm>
+          <a:prstGeom prst="rect">
+            <a:avLst/>
+          </a:prstGeom>
+          <a:noFill/>
+        </p:spPr>
+        <p:txBody>
+          <a:bodyPr wrap="square" rtlCol="0">
+            <a:spAutoFit/>
+          </a:bodyPr>
+          <a:lstStyle/>
+          <a:p>
+            <a:pPr>
+              <a:lnSpc>
+                <a:spcPts val="2500"/>
+              </a:lnSpc>
+            </a:pPr>
+            <a:r>
+              <a:rPr lang="en-US" sz="1600">
+                <a:latin typeface="Leelawadee UI" panose="020B0502040204020203" pitchFamily="34" charset="-34"/>
+                <a:ea typeface="Microsoft JhengHei Light" panose="020B0304030504040204" pitchFamily="34" charset="-120"/>
+                <a:cs typeface="Leelawadee UI" panose="020B0502040204020203" pitchFamily="34" charset="-34"/>
+              </a:rPr>
+              <a:t>Module reset signal / TTL level @3.3V, low reset</a:t>
+            </a:r>
+            <a:endParaRPr lang="en-US" sz="1200" dirty="0">
+              <a:latin typeface="Times New Roman" panose="02020603050405020304" pitchFamily="18" charset="0"/>
+              <a:cs typeface="Times New Roman" panose="02020603050405020304" pitchFamily="18" charset="0"/>
+            </a:endParaRPr>
+          </a:p>
+          <a:p>
+            <a:endParaRPr lang="en-US" sz="1200" dirty="0">
+              <a:latin typeface="Times New Roman" panose="02020603050405020304" pitchFamily="18" charset="0"/>
+              <a:cs typeface="Times New Roman" panose="02020603050405020304" pitchFamily="18" charset="0"/>
+            </a:endParaRPr>
+          </a:p>
+          <a:p>
+            <a:endParaRPr lang="en-US" dirty="0"/>
+          </a:p>
+        </p:txBody>
+      </p:sp>
+      <p:pic>
+        <p:nvPicPr>
+          <p:cNvPr id="48" name="图片 47">
+            <a:extLst>
+              <a:ext uri="{FF2B5EF4-FFF2-40B4-BE49-F238E27FC236}">
+                <a16:creationId xmlns:a16="http://schemas.microsoft.com/office/drawing/2014/main" id="{6A1EF724-C083-4718-B12B-ADE4CD6E6593}"/>
+              </a:ext>
+            </a:extLst>
+          </p:cNvPr>
+          <p:cNvPicPr>
+            <a:picLocks noChangeAspect="1"/>
+          </p:cNvPicPr>
+          <p:nvPr/>
+        </p:nvPicPr>
+        <p:blipFill>
+          <a:blip r:embed="rId4">
+            <a:extLst>
+              <a:ext uri="{28A0092B-C50C-407E-A947-70E740481C1C}">
+                <a14:useLocalDpi xmlns:a14="http://schemas.microsoft.com/office/drawing/2010/main" val="0"/>
+              </a:ext>
+            </a:extLst>
+          </a:blip>
+          <a:stretch>
+            <a:fillRect/>
+          </a:stretch>
+        </p:blipFill>
+        <p:spPr>
+          <a:xfrm>
+            <a:off x="2112487" y="2197819"/>
+            <a:ext cx="476250" cy="476250"/>
+          </a:xfrm>
+          <a:prstGeom prst="rect">
+            <a:avLst/>
+          </a:prstGeom>
+        </p:spPr>
+      </p:pic>
+      <p:pic>
+        <p:nvPicPr>
+          <p:cNvPr id="51" name="图片 50">
+            <a:extLst>
+              <a:ext uri="{FF2B5EF4-FFF2-40B4-BE49-F238E27FC236}">
+                <a16:creationId xmlns:a16="http://schemas.microsoft.com/office/drawing/2014/main" id="{B4A0FEB6-8C80-4A2D-A4DA-3DD6CF6BF267}"/>
+              </a:ext>
+            </a:extLst>
+          </p:cNvPr>
+          <p:cNvPicPr>
+            <a:picLocks noChangeAspect="1"/>
+          </p:cNvPicPr>
+          <p:nvPr/>
+        </p:nvPicPr>
+        <p:blipFill>
+          <a:blip r:embed="rId5">
+            <a:extLst>
+              <a:ext uri="{28A0092B-C50C-407E-A947-70E740481C1C}">
+                <a14:useLocalDpi xmlns:a14="http://schemas.microsoft.com/office/drawing/2010/main" val="0"/>
+              </a:ext>
+            </a:extLst>
+          </a:blip>
+          <a:stretch>
+            <a:fillRect/>
+          </a:stretch>
+        </p:blipFill>
+        <p:spPr>
+          <a:xfrm>
+            <a:off x="2112487" y="1700018"/>
+            <a:ext cx="476250" cy="476250"/>
+          </a:xfrm>
+          <a:prstGeom prst="rect">
+            <a:avLst/>
+          </a:prstGeom>
+        </p:spPr>
+      </p:pic>
+      <p:pic>
+        <p:nvPicPr>
+          <p:cNvPr id="53" name="图片 52">
+            <a:extLst>
+              <a:ext uri="{FF2B5EF4-FFF2-40B4-BE49-F238E27FC236}">
+                <a16:creationId xmlns:a16="http://schemas.microsoft.com/office/drawing/2014/main" id="{F5F78553-6083-4B94-9258-235169F8D486}"/>
+              </a:ext>
+            </a:extLst>
+          </p:cNvPr>
+          <p:cNvPicPr>
+            <a:picLocks noChangeAspect="1"/>
+          </p:cNvPicPr>
+          <p:nvPr/>
+        </p:nvPicPr>
+        <p:blipFill>
+          <a:blip r:embed="rId6">
+            <a:extLst>
+              <a:ext uri="{28A0092B-C50C-407E-A947-70E740481C1C}">
+                <a14:useLocalDpi xmlns:a14="http://schemas.microsoft.com/office/drawing/2010/main" val="0"/>
+              </a:ext>
+            </a:extLst>
+          </a:blip>
+          <a:stretch>
+            <a:fillRect/>
+          </a:stretch>
+        </p:blipFill>
+        <p:spPr>
+          <a:xfrm>
+            <a:off x="2112487" y="3193420"/>
+            <a:ext cx="476250" cy="476250"/>
+          </a:xfrm>
+          <a:prstGeom prst="rect">
+            <a:avLst/>
+          </a:prstGeom>
+        </p:spPr>
+      </p:pic>
+      <p:pic>
+        <p:nvPicPr>
+          <p:cNvPr id="55" name="图片 54">
+            <a:extLst>
+              <a:ext uri="{FF2B5EF4-FFF2-40B4-BE49-F238E27FC236}">
+                <a16:creationId xmlns:a16="http://schemas.microsoft.com/office/drawing/2014/main" id="{78F94C4E-FBEE-4618-B471-EC4E70DB63F7}"/>
+              </a:ext>
+            </a:extLst>
+          </p:cNvPr>
+          <p:cNvPicPr>
+            <a:picLocks noChangeAspect="1"/>
+          </p:cNvPicPr>
+          <p:nvPr/>
+        </p:nvPicPr>
+        <p:blipFill>
+          <a:blip r:embed="rId7">
+            <a:extLst>
+              <a:ext uri="{28A0092B-C50C-407E-A947-70E740481C1C}">
+                <a14:useLocalDpi xmlns:a14="http://schemas.microsoft.com/office/drawing/2010/main" val="0"/>
+              </a:ext>
+            </a:extLst>
+          </a:blip>
+          <a:stretch>
+            <a:fillRect/>
+          </a:stretch>
+        </p:blipFill>
+        <p:spPr>
+          <a:xfrm>
+            <a:off x="2112487" y="2695620"/>
+            <a:ext cx="476250" cy="476250"/>
+          </a:xfrm>
+          <a:prstGeom prst="rect">
+            <a:avLst/>
+          </a:prstGeom>
+        </p:spPr>
+      </p:pic>
     </p:spTree>
     <p:extLst>
       <p:ext uri="{BB962C8B-B14F-4D97-AF65-F5344CB8AC3E}">
